--- a/StudentGuideModule1/friction/smooth_plane.pptx
+++ b/StudentGuideModule1/friction/smooth_plane.pptx
@@ -154,10 +154,9 @@
           </a:lstStyle>
           <a:p>
             <a:r>
-              <a:rPr lang="en-US" smtClean="0"/>
+              <a:rPr lang="en-US"/>
               <a:t>Click to edit Master title style</a:t>
             </a:r>
-            <a:endParaRPr lang="en-US"/>
           </a:p>
         </p:txBody>
       </p:sp>
@@ -219,10 +218,9 @@
           </a:lstStyle>
           <a:p>
             <a:r>
-              <a:rPr lang="en-US" smtClean="0"/>
+              <a:rPr lang="en-US"/>
               <a:t>Click to edit Master subtitle style</a:t>
             </a:r>
-            <a:endParaRPr lang="en-US"/>
           </a:p>
         </p:txBody>
       </p:sp>
@@ -243,7 +241,7 @@
           <a:p>
             <a:fld id="{62726365-80EF-4A22-BD1B-8B7BA9D18AD5}" type="datetimeFigureOut">
               <a:rPr lang="en-US" smtClean="0"/>
-              <a:t>5/21/2016</a:t>
+              <a:t>7/24/2019</a:t>
             </a:fld>
             <a:endParaRPr lang="en-US"/>
           </a:p>
@@ -337,10 +335,9 @@
           <a:lstStyle/>
           <a:p>
             <a:r>
-              <a:rPr lang="en-US" smtClean="0"/>
+              <a:rPr lang="en-US"/>
               <a:t>Click to edit Master title style</a:t>
             </a:r>
-            <a:endParaRPr lang="en-US"/>
           </a:p>
         </p:txBody>
       </p:sp>
@@ -361,38 +358,37 @@
           <a:p>
             <a:pPr lvl="0"/>
             <a:r>
-              <a:rPr lang="en-US" smtClean="0"/>
+              <a:rPr lang="en-US"/>
               <a:t>Edit Master text styles</a:t>
             </a:r>
           </a:p>
           <a:p>
             <a:pPr lvl="1"/>
             <a:r>
-              <a:rPr lang="en-US" smtClean="0"/>
+              <a:rPr lang="en-US"/>
               <a:t>Second level</a:t>
             </a:r>
           </a:p>
           <a:p>
             <a:pPr lvl="2"/>
             <a:r>
-              <a:rPr lang="en-US" smtClean="0"/>
+              <a:rPr lang="en-US"/>
               <a:t>Third level</a:t>
             </a:r>
           </a:p>
           <a:p>
             <a:pPr lvl="3"/>
             <a:r>
-              <a:rPr lang="en-US" smtClean="0"/>
+              <a:rPr lang="en-US"/>
               <a:t>Fourth level</a:t>
             </a:r>
           </a:p>
           <a:p>
             <a:pPr lvl="4"/>
             <a:r>
-              <a:rPr lang="en-US" smtClean="0"/>
+              <a:rPr lang="en-US"/>
               <a:t>Fifth level</a:t>
             </a:r>
-            <a:endParaRPr lang="en-US"/>
           </a:p>
         </p:txBody>
       </p:sp>
@@ -413,7 +409,7 @@
           <a:p>
             <a:fld id="{62726365-80EF-4A22-BD1B-8B7BA9D18AD5}" type="datetimeFigureOut">
               <a:rPr lang="en-US" smtClean="0"/>
-              <a:t>5/21/2016</a:t>
+              <a:t>7/24/2019</a:t>
             </a:fld>
             <a:endParaRPr lang="en-US"/>
           </a:p>
@@ -512,10 +508,9 @@
           <a:lstStyle/>
           <a:p>
             <a:r>
-              <a:rPr lang="en-US" smtClean="0"/>
+              <a:rPr lang="en-US"/>
               <a:t>Click to edit Master title style</a:t>
             </a:r>
-            <a:endParaRPr lang="en-US"/>
           </a:p>
         </p:txBody>
       </p:sp>
@@ -541,38 +536,37 @@
           <a:p>
             <a:pPr lvl="0"/>
             <a:r>
-              <a:rPr lang="en-US" smtClean="0"/>
+              <a:rPr lang="en-US"/>
               <a:t>Edit Master text styles</a:t>
             </a:r>
           </a:p>
           <a:p>
             <a:pPr lvl="1"/>
             <a:r>
-              <a:rPr lang="en-US" smtClean="0"/>
+              <a:rPr lang="en-US"/>
               <a:t>Second level</a:t>
             </a:r>
           </a:p>
           <a:p>
             <a:pPr lvl="2"/>
             <a:r>
-              <a:rPr lang="en-US" smtClean="0"/>
+              <a:rPr lang="en-US"/>
               <a:t>Third level</a:t>
             </a:r>
           </a:p>
           <a:p>
             <a:pPr lvl="3"/>
             <a:r>
-              <a:rPr lang="en-US" smtClean="0"/>
+              <a:rPr lang="en-US"/>
               <a:t>Fourth level</a:t>
             </a:r>
           </a:p>
           <a:p>
             <a:pPr lvl="4"/>
             <a:r>
-              <a:rPr lang="en-US" smtClean="0"/>
+              <a:rPr lang="en-US"/>
               <a:t>Fifth level</a:t>
             </a:r>
-            <a:endParaRPr lang="en-US"/>
           </a:p>
         </p:txBody>
       </p:sp>
@@ -593,7 +587,7 @@
           <a:p>
             <a:fld id="{62726365-80EF-4A22-BD1B-8B7BA9D18AD5}" type="datetimeFigureOut">
               <a:rPr lang="en-US" smtClean="0"/>
-              <a:t>5/21/2016</a:t>
+              <a:t>7/24/2019</a:t>
             </a:fld>
             <a:endParaRPr lang="en-US"/>
           </a:p>
@@ -687,10 +681,9 @@
           <a:lstStyle/>
           <a:p>
             <a:r>
-              <a:rPr lang="en-US" smtClean="0"/>
+              <a:rPr lang="en-US"/>
               <a:t>Click to edit Master title style</a:t>
             </a:r>
-            <a:endParaRPr lang="en-US"/>
           </a:p>
         </p:txBody>
       </p:sp>
@@ -711,38 +704,37 @@
           <a:p>
             <a:pPr lvl="0"/>
             <a:r>
-              <a:rPr lang="en-US" smtClean="0"/>
+              <a:rPr lang="en-US"/>
               <a:t>Edit Master text styles</a:t>
             </a:r>
           </a:p>
           <a:p>
             <a:pPr lvl="1"/>
             <a:r>
-              <a:rPr lang="en-US" smtClean="0"/>
+              <a:rPr lang="en-US"/>
               <a:t>Second level</a:t>
             </a:r>
           </a:p>
           <a:p>
             <a:pPr lvl="2"/>
             <a:r>
-              <a:rPr lang="en-US" smtClean="0"/>
+              <a:rPr lang="en-US"/>
               <a:t>Third level</a:t>
             </a:r>
           </a:p>
           <a:p>
             <a:pPr lvl="3"/>
             <a:r>
-              <a:rPr lang="en-US" smtClean="0"/>
+              <a:rPr lang="en-US"/>
               <a:t>Fourth level</a:t>
             </a:r>
           </a:p>
           <a:p>
             <a:pPr lvl="4"/>
             <a:r>
-              <a:rPr lang="en-US" smtClean="0"/>
+              <a:rPr lang="en-US"/>
               <a:t>Fifth level</a:t>
             </a:r>
-            <a:endParaRPr lang="en-US"/>
           </a:p>
         </p:txBody>
       </p:sp>
@@ -763,7 +755,7 @@
           <a:p>
             <a:fld id="{62726365-80EF-4A22-BD1B-8B7BA9D18AD5}" type="datetimeFigureOut">
               <a:rPr lang="en-US" smtClean="0"/>
-              <a:t>5/21/2016</a:t>
+              <a:t>7/24/2019</a:t>
             </a:fld>
             <a:endParaRPr lang="en-US"/>
           </a:p>
@@ -866,10 +858,9 @@
           </a:lstStyle>
           <a:p>
             <a:r>
-              <a:rPr lang="en-US" smtClean="0"/>
+              <a:rPr lang="en-US"/>
               <a:t>Click to edit Master title style</a:t>
             </a:r>
-            <a:endParaRPr lang="en-US"/>
           </a:p>
         </p:txBody>
       </p:sp>
@@ -986,7 +977,7 @@
           <a:p>
             <a:pPr lvl="0"/>
             <a:r>
-              <a:rPr lang="en-US" smtClean="0"/>
+              <a:rPr lang="en-US"/>
               <a:t>Edit Master text styles</a:t>
             </a:r>
           </a:p>
@@ -1009,7 +1000,7 @@
           <a:p>
             <a:fld id="{62726365-80EF-4A22-BD1B-8B7BA9D18AD5}" type="datetimeFigureOut">
               <a:rPr lang="en-US" smtClean="0"/>
-              <a:t>5/21/2016</a:t>
+              <a:t>7/24/2019</a:t>
             </a:fld>
             <a:endParaRPr lang="en-US"/>
           </a:p>
@@ -1103,10 +1094,9 @@
           <a:lstStyle/>
           <a:p>
             <a:r>
-              <a:rPr lang="en-US" smtClean="0"/>
+              <a:rPr lang="en-US"/>
               <a:t>Click to edit Master title style</a:t>
             </a:r>
-            <a:endParaRPr lang="en-US"/>
           </a:p>
         </p:txBody>
       </p:sp>
@@ -1132,38 +1122,37 @@
           <a:p>
             <a:pPr lvl="0"/>
             <a:r>
-              <a:rPr lang="en-US" smtClean="0"/>
+              <a:rPr lang="en-US"/>
               <a:t>Edit Master text styles</a:t>
             </a:r>
           </a:p>
           <a:p>
             <a:pPr lvl="1"/>
             <a:r>
-              <a:rPr lang="en-US" smtClean="0"/>
+              <a:rPr lang="en-US"/>
               <a:t>Second level</a:t>
             </a:r>
           </a:p>
           <a:p>
             <a:pPr lvl="2"/>
             <a:r>
-              <a:rPr lang="en-US" smtClean="0"/>
+              <a:rPr lang="en-US"/>
               <a:t>Third level</a:t>
             </a:r>
           </a:p>
           <a:p>
             <a:pPr lvl="3"/>
             <a:r>
-              <a:rPr lang="en-US" smtClean="0"/>
+              <a:rPr lang="en-US"/>
               <a:t>Fourth level</a:t>
             </a:r>
           </a:p>
           <a:p>
             <a:pPr lvl="4"/>
             <a:r>
-              <a:rPr lang="en-US" smtClean="0"/>
+              <a:rPr lang="en-US"/>
               <a:t>Fifth level</a:t>
             </a:r>
-            <a:endParaRPr lang="en-US"/>
           </a:p>
         </p:txBody>
       </p:sp>
@@ -1189,38 +1178,37 @@
           <a:p>
             <a:pPr lvl="0"/>
             <a:r>
-              <a:rPr lang="en-US" smtClean="0"/>
+              <a:rPr lang="en-US"/>
               <a:t>Edit Master text styles</a:t>
             </a:r>
           </a:p>
           <a:p>
             <a:pPr lvl="1"/>
             <a:r>
-              <a:rPr lang="en-US" smtClean="0"/>
+              <a:rPr lang="en-US"/>
               <a:t>Second level</a:t>
             </a:r>
           </a:p>
           <a:p>
             <a:pPr lvl="2"/>
             <a:r>
-              <a:rPr lang="en-US" smtClean="0"/>
+              <a:rPr lang="en-US"/>
               <a:t>Third level</a:t>
             </a:r>
           </a:p>
           <a:p>
             <a:pPr lvl="3"/>
             <a:r>
-              <a:rPr lang="en-US" smtClean="0"/>
+              <a:rPr lang="en-US"/>
               <a:t>Fourth level</a:t>
             </a:r>
           </a:p>
           <a:p>
             <a:pPr lvl="4"/>
             <a:r>
-              <a:rPr lang="en-US" smtClean="0"/>
+              <a:rPr lang="en-US"/>
               <a:t>Fifth level</a:t>
             </a:r>
-            <a:endParaRPr lang="en-US"/>
           </a:p>
         </p:txBody>
       </p:sp>
@@ -1241,7 +1229,7 @@
           <a:p>
             <a:fld id="{62726365-80EF-4A22-BD1B-8B7BA9D18AD5}" type="datetimeFigureOut">
               <a:rPr lang="en-US" smtClean="0"/>
-              <a:t>5/21/2016</a:t>
+              <a:t>7/24/2019</a:t>
             </a:fld>
             <a:endParaRPr lang="en-US"/>
           </a:p>
@@ -1340,10 +1328,9 @@
           <a:lstStyle/>
           <a:p>
             <a:r>
-              <a:rPr lang="en-US" smtClean="0"/>
+              <a:rPr lang="en-US"/>
               <a:t>Click to edit Master title style</a:t>
             </a:r>
-            <a:endParaRPr lang="en-US"/>
           </a:p>
         </p:txBody>
       </p:sp>
@@ -1406,7 +1393,7 @@
           <a:p>
             <a:pPr lvl="0"/>
             <a:r>
-              <a:rPr lang="en-US" smtClean="0"/>
+              <a:rPr lang="en-US"/>
               <a:t>Edit Master text styles</a:t>
             </a:r>
           </a:p>
@@ -1434,38 +1421,37 @@
           <a:p>
             <a:pPr lvl="0"/>
             <a:r>
-              <a:rPr lang="en-US" smtClean="0"/>
+              <a:rPr lang="en-US"/>
               <a:t>Edit Master text styles</a:t>
             </a:r>
           </a:p>
           <a:p>
             <a:pPr lvl="1"/>
             <a:r>
-              <a:rPr lang="en-US" smtClean="0"/>
+              <a:rPr lang="en-US"/>
               <a:t>Second level</a:t>
             </a:r>
           </a:p>
           <a:p>
             <a:pPr lvl="2"/>
             <a:r>
-              <a:rPr lang="en-US" smtClean="0"/>
+              <a:rPr lang="en-US"/>
               <a:t>Third level</a:t>
             </a:r>
           </a:p>
           <a:p>
             <a:pPr lvl="3"/>
             <a:r>
-              <a:rPr lang="en-US" smtClean="0"/>
+              <a:rPr lang="en-US"/>
               <a:t>Fourth level</a:t>
             </a:r>
           </a:p>
           <a:p>
             <a:pPr lvl="4"/>
             <a:r>
-              <a:rPr lang="en-US" smtClean="0"/>
+              <a:rPr lang="en-US"/>
               <a:t>Fifth level</a:t>
             </a:r>
-            <a:endParaRPr lang="en-US"/>
           </a:p>
         </p:txBody>
       </p:sp>
@@ -1528,7 +1514,7 @@
           <a:p>
             <a:pPr lvl="0"/>
             <a:r>
-              <a:rPr lang="en-US" smtClean="0"/>
+              <a:rPr lang="en-US"/>
               <a:t>Edit Master text styles</a:t>
             </a:r>
           </a:p>
@@ -1556,38 +1542,37 @@
           <a:p>
             <a:pPr lvl="0"/>
             <a:r>
-              <a:rPr lang="en-US" smtClean="0"/>
+              <a:rPr lang="en-US"/>
               <a:t>Edit Master text styles</a:t>
             </a:r>
           </a:p>
           <a:p>
             <a:pPr lvl="1"/>
             <a:r>
-              <a:rPr lang="en-US" smtClean="0"/>
+              <a:rPr lang="en-US"/>
               <a:t>Second level</a:t>
             </a:r>
           </a:p>
           <a:p>
             <a:pPr lvl="2"/>
             <a:r>
-              <a:rPr lang="en-US" smtClean="0"/>
+              <a:rPr lang="en-US"/>
               <a:t>Third level</a:t>
             </a:r>
           </a:p>
           <a:p>
             <a:pPr lvl="3"/>
             <a:r>
-              <a:rPr lang="en-US" smtClean="0"/>
+              <a:rPr lang="en-US"/>
               <a:t>Fourth level</a:t>
             </a:r>
           </a:p>
           <a:p>
             <a:pPr lvl="4"/>
             <a:r>
-              <a:rPr lang="en-US" smtClean="0"/>
+              <a:rPr lang="en-US"/>
               <a:t>Fifth level</a:t>
             </a:r>
-            <a:endParaRPr lang="en-US"/>
           </a:p>
         </p:txBody>
       </p:sp>
@@ -1608,7 +1593,7 @@
           <a:p>
             <a:fld id="{62726365-80EF-4A22-BD1B-8B7BA9D18AD5}" type="datetimeFigureOut">
               <a:rPr lang="en-US" smtClean="0"/>
-              <a:t>5/21/2016</a:t>
+              <a:t>7/24/2019</a:t>
             </a:fld>
             <a:endParaRPr lang="en-US"/>
           </a:p>
@@ -1702,10 +1687,9 @@
           <a:lstStyle/>
           <a:p>
             <a:r>
-              <a:rPr lang="en-US" smtClean="0"/>
+              <a:rPr lang="en-US"/>
               <a:t>Click to edit Master title style</a:t>
             </a:r>
-            <a:endParaRPr lang="en-US"/>
           </a:p>
         </p:txBody>
       </p:sp>
@@ -1726,7 +1710,7 @@
           <a:p>
             <a:fld id="{62726365-80EF-4A22-BD1B-8B7BA9D18AD5}" type="datetimeFigureOut">
               <a:rPr lang="en-US" smtClean="0"/>
-              <a:t>5/21/2016</a:t>
+              <a:t>7/24/2019</a:t>
             </a:fld>
             <a:endParaRPr lang="en-US"/>
           </a:p>
@@ -1821,7 +1805,7 @@
           <a:p>
             <a:fld id="{62726365-80EF-4A22-BD1B-8B7BA9D18AD5}" type="datetimeFigureOut">
               <a:rPr lang="en-US" smtClean="0"/>
-              <a:t>5/21/2016</a:t>
+              <a:t>7/24/2019</a:t>
             </a:fld>
             <a:endParaRPr lang="en-US"/>
           </a:p>
@@ -1924,10 +1908,9 @@
           </a:lstStyle>
           <a:p>
             <a:r>
-              <a:rPr lang="en-US" smtClean="0"/>
+              <a:rPr lang="en-US"/>
               <a:t>Click to edit Master title style</a:t>
             </a:r>
-            <a:endParaRPr lang="en-US"/>
           </a:p>
         </p:txBody>
       </p:sp>
@@ -1981,38 +1964,37 @@
           <a:p>
             <a:pPr lvl="0"/>
             <a:r>
-              <a:rPr lang="en-US" smtClean="0"/>
+              <a:rPr lang="en-US"/>
               <a:t>Edit Master text styles</a:t>
             </a:r>
           </a:p>
           <a:p>
             <a:pPr lvl="1"/>
             <a:r>
-              <a:rPr lang="en-US" smtClean="0"/>
+              <a:rPr lang="en-US"/>
               <a:t>Second level</a:t>
             </a:r>
           </a:p>
           <a:p>
             <a:pPr lvl="2"/>
             <a:r>
-              <a:rPr lang="en-US" smtClean="0"/>
+              <a:rPr lang="en-US"/>
               <a:t>Third level</a:t>
             </a:r>
           </a:p>
           <a:p>
             <a:pPr lvl="3"/>
             <a:r>
-              <a:rPr lang="en-US" smtClean="0"/>
+              <a:rPr lang="en-US"/>
               <a:t>Fourth level</a:t>
             </a:r>
           </a:p>
           <a:p>
             <a:pPr lvl="4"/>
             <a:r>
-              <a:rPr lang="en-US" smtClean="0"/>
+              <a:rPr lang="en-US"/>
               <a:t>Fifth level</a:t>
             </a:r>
-            <a:endParaRPr lang="en-US"/>
           </a:p>
         </p:txBody>
       </p:sp>
@@ -2075,7 +2057,7 @@
           <a:p>
             <a:pPr lvl="0"/>
             <a:r>
-              <a:rPr lang="en-US" smtClean="0"/>
+              <a:rPr lang="en-US"/>
               <a:t>Edit Master text styles</a:t>
             </a:r>
           </a:p>
@@ -2098,7 +2080,7 @@
           <a:p>
             <a:fld id="{62726365-80EF-4A22-BD1B-8B7BA9D18AD5}" type="datetimeFigureOut">
               <a:rPr lang="en-US" smtClean="0"/>
-              <a:t>5/21/2016</a:t>
+              <a:t>7/24/2019</a:t>
             </a:fld>
             <a:endParaRPr lang="en-US"/>
           </a:p>
@@ -2201,10 +2183,9 @@
           </a:lstStyle>
           <a:p>
             <a:r>
-              <a:rPr lang="en-US" smtClean="0"/>
+              <a:rPr lang="en-US"/>
               <a:t>Click to edit Master title style</a:t>
             </a:r>
-            <a:endParaRPr lang="en-US"/>
           </a:p>
         </p:txBody>
       </p:sp>
@@ -2328,7 +2309,7 @@
           <a:p>
             <a:pPr lvl="0"/>
             <a:r>
-              <a:rPr lang="en-US" smtClean="0"/>
+              <a:rPr lang="en-US"/>
               <a:t>Edit Master text styles</a:t>
             </a:r>
           </a:p>
@@ -2351,7 +2332,7 @@
           <a:p>
             <a:fld id="{62726365-80EF-4A22-BD1B-8B7BA9D18AD5}" type="datetimeFigureOut">
               <a:rPr lang="en-US" smtClean="0"/>
-              <a:t>5/21/2016</a:t>
+              <a:t>7/24/2019</a:t>
             </a:fld>
             <a:endParaRPr lang="en-US"/>
           </a:p>
@@ -2460,10 +2441,9 @@
           <a:lstStyle/>
           <a:p>
             <a:r>
-              <a:rPr lang="en-US" smtClean="0"/>
+              <a:rPr lang="en-US"/>
               <a:t>Click to edit Master title style</a:t>
             </a:r>
-            <a:endParaRPr lang="en-US"/>
           </a:p>
         </p:txBody>
       </p:sp>
@@ -2494,38 +2474,37 @@
           <a:p>
             <a:pPr lvl="0"/>
             <a:r>
-              <a:rPr lang="en-US" smtClean="0"/>
+              <a:rPr lang="en-US"/>
               <a:t>Edit Master text styles</a:t>
             </a:r>
           </a:p>
           <a:p>
             <a:pPr lvl="1"/>
             <a:r>
-              <a:rPr lang="en-US" smtClean="0"/>
+              <a:rPr lang="en-US"/>
               <a:t>Second level</a:t>
             </a:r>
           </a:p>
           <a:p>
             <a:pPr lvl="2"/>
             <a:r>
-              <a:rPr lang="en-US" smtClean="0"/>
+              <a:rPr lang="en-US"/>
               <a:t>Third level</a:t>
             </a:r>
           </a:p>
           <a:p>
             <a:pPr lvl="3"/>
             <a:r>
-              <a:rPr lang="en-US" smtClean="0"/>
+              <a:rPr lang="en-US"/>
               <a:t>Fourth level</a:t>
             </a:r>
           </a:p>
           <a:p>
             <a:pPr lvl="4"/>
             <a:r>
-              <a:rPr lang="en-US" smtClean="0"/>
+              <a:rPr lang="en-US"/>
               <a:t>Fifth level</a:t>
             </a:r>
-            <a:endParaRPr lang="en-US"/>
           </a:p>
         </p:txBody>
       </p:sp>
@@ -2564,7 +2543,7 @@
           <a:p>
             <a:fld id="{62726365-80EF-4A22-BD1B-8B7BA9D18AD5}" type="datetimeFigureOut">
               <a:rPr lang="en-US" smtClean="0"/>
-              <a:t>5/21/2016</a:t>
+              <a:t>7/24/2019</a:t>
             </a:fld>
             <a:endParaRPr lang="en-US"/>
           </a:p>
@@ -3252,10 +3231,150 @@
           <a:lstStyle/>
           <a:p>
             <a:r>
-              <a:rPr lang="en-US" sz="1200" dirty="0" smtClean="0"/>
+              <a:rPr lang="en-US" sz="1200" dirty="0"/>
               <a:t>smooth plane</a:t>
             </a:r>
-            <a:endParaRPr lang="en-US" sz="1200" dirty="0"/>
+          </a:p>
+        </p:txBody>
+      </p:sp>
+      <p:sp>
+        <p:nvSpPr>
+          <p:cNvPr id="9" name="Arc 8">
+            <a:extLst>
+              <a:ext uri="{FF2B5EF4-FFF2-40B4-BE49-F238E27FC236}">
+                <a16:creationId xmlns:a16="http://schemas.microsoft.com/office/drawing/2014/main" id="{6F48397C-D241-40C0-AF8F-D06AA76111BD}"/>
+              </a:ext>
+            </a:extLst>
+          </p:cNvPr>
+          <p:cNvSpPr/>
+          <p:nvPr/>
+        </p:nvSpPr>
+        <p:spPr>
+          <a:xfrm>
+            <a:off x="2942345" y="2890685"/>
+            <a:ext cx="117335" cy="169537"/>
+          </a:xfrm>
+          <a:prstGeom prst="arc">
+            <a:avLst>
+              <a:gd name="adj1" fmla="val 16200000"/>
+              <a:gd name="adj2" fmla="val 2145240"/>
+            </a:avLst>
+          </a:prstGeom>
+        </p:spPr>
+        <p:style>
+          <a:lnRef idx="1">
+            <a:schemeClr val="dk1"/>
+          </a:lnRef>
+          <a:fillRef idx="0">
+            <a:schemeClr val="dk1"/>
+          </a:fillRef>
+          <a:effectRef idx="0">
+            <a:schemeClr val="dk1"/>
+          </a:effectRef>
+          <a:fontRef idx="minor">
+            <a:schemeClr val="tx1"/>
+          </a:fontRef>
+        </p:style>
+        <p:txBody>
+          <a:bodyPr rtlCol="0" anchor="ctr"/>
+          <a:lstStyle>
+            <a:defPPr>
+              <a:defRPr lang="en-US"/>
+            </a:defPPr>
+            <a:lvl1pPr marL="0" algn="l" defTabSz="914400" rtl="0" eaLnBrk="1" latinLnBrk="0" hangingPunct="1">
+              <a:defRPr sz="1800" kern="1200">
+                <a:solidFill>
+                  <a:schemeClr val="tx1"/>
+                </a:solidFill>
+                <a:latin typeface="+mn-lt"/>
+                <a:ea typeface="+mn-ea"/>
+                <a:cs typeface="+mn-cs"/>
+              </a:defRPr>
+            </a:lvl1pPr>
+            <a:lvl2pPr marL="457200" algn="l" defTabSz="914400" rtl="0" eaLnBrk="1" latinLnBrk="0" hangingPunct="1">
+              <a:defRPr sz="1800" kern="1200">
+                <a:solidFill>
+                  <a:schemeClr val="tx1"/>
+                </a:solidFill>
+                <a:latin typeface="+mn-lt"/>
+                <a:ea typeface="+mn-ea"/>
+                <a:cs typeface="+mn-cs"/>
+              </a:defRPr>
+            </a:lvl2pPr>
+            <a:lvl3pPr marL="914400" algn="l" defTabSz="914400" rtl="0" eaLnBrk="1" latinLnBrk="0" hangingPunct="1">
+              <a:defRPr sz="1800" kern="1200">
+                <a:solidFill>
+                  <a:schemeClr val="tx1"/>
+                </a:solidFill>
+                <a:latin typeface="+mn-lt"/>
+                <a:ea typeface="+mn-ea"/>
+                <a:cs typeface="+mn-cs"/>
+              </a:defRPr>
+            </a:lvl3pPr>
+            <a:lvl4pPr marL="1371600" algn="l" defTabSz="914400" rtl="0" eaLnBrk="1" latinLnBrk="0" hangingPunct="1">
+              <a:defRPr sz="1800" kern="1200">
+                <a:solidFill>
+                  <a:schemeClr val="tx1"/>
+                </a:solidFill>
+                <a:latin typeface="+mn-lt"/>
+                <a:ea typeface="+mn-ea"/>
+                <a:cs typeface="+mn-cs"/>
+              </a:defRPr>
+            </a:lvl4pPr>
+            <a:lvl5pPr marL="1828800" algn="l" defTabSz="914400" rtl="0" eaLnBrk="1" latinLnBrk="0" hangingPunct="1">
+              <a:defRPr sz="1800" kern="1200">
+                <a:solidFill>
+                  <a:schemeClr val="tx1"/>
+                </a:solidFill>
+                <a:latin typeface="+mn-lt"/>
+                <a:ea typeface="+mn-ea"/>
+                <a:cs typeface="+mn-cs"/>
+              </a:defRPr>
+            </a:lvl5pPr>
+            <a:lvl6pPr marL="2286000" algn="l" defTabSz="914400" rtl="0" eaLnBrk="1" latinLnBrk="0" hangingPunct="1">
+              <a:defRPr sz="1800" kern="1200">
+                <a:solidFill>
+                  <a:schemeClr val="tx1"/>
+                </a:solidFill>
+                <a:latin typeface="+mn-lt"/>
+                <a:ea typeface="+mn-ea"/>
+                <a:cs typeface="+mn-cs"/>
+              </a:defRPr>
+            </a:lvl6pPr>
+            <a:lvl7pPr marL="2743200" algn="l" defTabSz="914400" rtl="0" eaLnBrk="1" latinLnBrk="0" hangingPunct="1">
+              <a:defRPr sz="1800" kern="1200">
+                <a:solidFill>
+                  <a:schemeClr val="tx1"/>
+                </a:solidFill>
+                <a:latin typeface="+mn-lt"/>
+                <a:ea typeface="+mn-ea"/>
+                <a:cs typeface="+mn-cs"/>
+              </a:defRPr>
+            </a:lvl7pPr>
+            <a:lvl8pPr marL="3200400" algn="l" defTabSz="914400" rtl="0" eaLnBrk="1" latinLnBrk="0" hangingPunct="1">
+              <a:defRPr sz="1800" kern="1200">
+                <a:solidFill>
+                  <a:schemeClr val="tx1"/>
+                </a:solidFill>
+                <a:latin typeface="+mn-lt"/>
+                <a:ea typeface="+mn-ea"/>
+                <a:cs typeface="+mn-cs"/>
+              </a:defRPr>
+            </a:lvl8pPr>
+            <a:lvl9pPr marL="3657600" algn="l" defTabSz="914400" rtl="0" eaLnBrk="1" latinLnBrk="0" hangingPunct="1">
+              <a:defRPr sz="1800" kern="1200">
+                <a:solidFill>
+                  <a:schemeClr val="tx1"/>
+                </a:solidFill>
+                <a:latin typeface="+mn-lt"/>
+                <a:ea typeface="+mn-ea"/>
+                <a:cs typeface="+mn-cs"/>
+              </a:defRPr>
+            </a:lvl9pPr>
+          </a:lstStyle>
+          <a:p>
+            <a:pPr algn="ctr"/>
+            <a:endParaRPr lang="en-US"/>
           </a:p>
         </p:txBody>
       </p:sp>
